--- a/assets/images/logos.pptx
+++ b/assets/images/logos.pptx
@@ -3326,207 +3326,280 @@
           <a:chExt cx="0" cy="0"/>
         </a:xfrm>
       </p:grpSpPr>
-      <p:pic>
-        <p:nvPicPr>
-          <p:cNvPr id="1026" name="Picture 2">
-            <a:extLst>
-              <a:ext uri="{FF2B5EF4-FFF2-40B4-BE49-F238E27FC236}">
-                <a16:creationId xmlns:a16="http://schemas.microsoft.com/office/drawing/2014/main" id="{3EA64638-371B-7BB1-9C2F-CE7933A7D667}"/>
-              </a:ext>
-            </a:extLst>
-          </p:cNvPr>
-          <p:cNvPicPr>
-            <a:picLocks noChangeAspect="1" noChangeArrowheads="1"/>
-          </p:cNvPicPr>
+      <p:grpSp>
+        <p:nvGrpSpPr>
+          <p:cNvPr id="4" name="Group 3">
+            <a:extLst>
+              <a:ext uri="{FF2B5EF4-FFF2-40B4-BE49-F238E27FC236}">
+                <a16:creationId xmlns:a16="http://schemas.microsoft.com/office/drawing/2014/main" id="{99E13C75-01D0-AFC4-0563-EE9A91F7DA90}"/>
+              </a:ext>
+            </a:extLst>
+          </p:cNvPr>
+          <p:cNvGrpSpPr/>
           <p:nvPr/>
-        </p:nvPicPr>
-        <p:blipFill>
-          <a:blip r:embed="rId2">
-            <a:extLst>
-              <a:ext uri="{28A0092B-C50C-407E-A947-70E740481C1C}">
-                <a14:useLocalDpi xmlns:a14="http://schemas.microsoft.com/office/drawing/2010/main" val="0"/>
-              </a:ext>
-            </a:extLst>
-          </a:blip>
-          <a:srcRect/>
-          <a:stretch>
-            <a:fillRect/>
-          </a:stretch>
-        </p:blipFill>
-        <p:spPr bwMode="auto">
+        </p:nvGrpSpPr>
+        <p:grpSpPr>
           <a:xfrm>
-            <a:off x="3229878" y="2293033"/>
-            <a:ext cx="1716088" cy="1652954"/>
+            <a:off x="0" y="2138289"/>
+            <a:ext cx="12192000" cy="2096086"/>
+            <a:chOff x="0" y="2138289"/>
+            <a:chExt cx="12192000" cy="2096086"/>
           </a:xfrm>
-          <a:prstGeom prst="rect">
-            <a:avLst/>
-          </a:prstGeom>
-          <a:noFill/>
-          <a:extLst>
-            <a:ext uri="{909E8E84-426E-40DD-AFC4-6F175D3DCCD1}">
-              <a14:hiddenFill xmlns:a14="http://schemas.microsoft.com/office/drawing/2010/main">
-                <a:solidFill>
-                  <a:srgbClr val="FFFFFF"/>
-                </a:solidFill>
-              </a14:hiddenFill>
-            </a:ext>
-          </a:extLst>
-        </p:spPr>
-      </p:pic>
-      <p:pic>
-        <p:nvPicPr>
-          <p:cNvPr id="1028" name="Picture 4" descr="University of Calgary - YouTube">
-            <a:extLst>
-              <a:ext uri="{FF2B5EF4-FFF2-40B4-BE49-F238E27FC236}">
-                <a16:creationId xmlns:a16="http://schemas.microsoft.com/office/drawing/2014/main" id="{88BA6271-3640-8D24-2951-009E26C6FCF3}"/>
-              </a:ext>
-            </a:extLst>
-          </p:cNvPr>
-          <p:cNvPicPr>
-            <a:picLocks noChangeAspect="1" noChangeArrowheads="1"/>
-          </p:cNvPicPr>
-          <p:nvPr/>
-        </p:nvPicPr>
-        <p:blipFill>
-          <a:blip r:embed="rId3">
-            <a:extLst>
-              <a:ext uri="{28A0092B-C50C-407E-A947-70E740481C1C}">
-                <a14:useLocalDpi xmlns:a14="http://schemas.microsoft.com/office/drawing/2010/main" val="0"/>
-              </a:ext>
-            </a:extLst>
-          </a:blip>
-          <a:srcRect/>
-          <a:stretch>
-            <a:fillRect/>
-          </a:stretch>
-        </p:blipFill>
-        <p:spPr bwMode="auto">
-          <a:xfrm>
-            <a:off x="5206805" y="1892690"/>
-            <a:ext cx="2453640" cy="2453640"/>
-          </a:xfrm>
-          <a:prstGeom prst="rect">
-            <a:avLst/>
-          </a:prstGeom>
-          <a:noFill/>
-          <a:extLst>
-            <a:ext uri="{909E8E84-426E-40DD-AFC4-6F175D3DCCD1}">
-              <a14:hiddenFill xmlns:a14="http://schemas.microsoft.com/office/drawing/2010/main">
-                <a:solidFill>
-                  <a:srgbClr val="FFFFFF"/>
-                </a:solidFill>
-              </a14:hiddenFill>
-            </a:ext>
-          </a:extLst>
-        </p:spPr>
-      </p:pic>
-      <p:pic>
-        <p:nvPicPr>
-          <p:cNvPr id="1030" name="Picture 6">
-            <a:extLst>
-              <a:ext uri="{FF2B5EF4-FFF2-40B4-BE49-F238E27FC236}">
-                <a16:creationId xmlns:a16="http://schemas.microsoft.com/office/drawing/2014/main" id="{F51F5BE4-1781-59CC-6751-19A85302391D}"/>
-              </a:ext>
-            </a:extLst>
-          </p:cNvPr>
-          <p:cNvPicPr>
-            <a:picLocks noChangeAspect="1" noChangeArrowheads="1"/>
-          </p:cNvPicPr>
-          <p:nvPr/>
-        </p:nvPicPr>
-        <p:blipFill>
-          <a:blip r:embed="rId4">
-            <a:extLst>
-              <a:ext uri="{28A0092B-C50C-407E-A947-70E740481C1C}">
-                <a14:useLocalDpi xmlns:a14="http://schemas.microsoft.com/office/drawing/2010/main" val="0"/>
-              </a:ext>
-            </a:extLst>
-          </a:blip>
-          <a:srcRect/>
-          <a:stretch>
-            <a:fillRect/>
-          </a:stretch>
-        </p:blipFill>
-        <p:spPr bwMode="auto">
-          <a:xfrm>
-            <a:off x="592702" y="2138289"/>
-            <a:ext cx="2080553" cy="1962443"/>
-          </a:xfrm>
-          <a:prstGeom prst="rect">
-            <a:avLst/>
-          </a:prstGeom>
-          <a:noFill/>
-          <a:extLst>
-            <a:ext uri="{909E8E84-426E-40DD-AFC4-6F175D3DCCD1}">
-              <a14:hiddenFill xmlns:a14="http://schemas.microsoft.com/office/drawing/2010/main">
-                <a:solidFill>
-                  <a:srgbClr val="FFFFFF"/>
-                </a:solidFill>
-              </a14:hiddenFill>
-            </a:ext>
-          </a:extLst>
-        </p:spPr>
-      </p:pic>
-      <p:pic>
-        <p:nvPicPr>
-          <p:cNvPr id="3" name="Picture 2">
-            <a:extLst>
-              <a:ext uri="{FF2B5EF4-FFF2-40B4-BE49-F238E27FC236}">
-                <a16:creationId xmlns:a16="http://schemas.microsoft.com/office/drawing/2014/main" id="{91BFF024-B1C3-FDAE-215A-E3F625845D7B}"/>
-              </a:ext>
-            </a:extLst>
-          </p:cNvPr>
-          <p:cNvPicPr>
-            <a:picLocks noChangeAspect="1"/>
-          </p:cNvPicPr>
-          <p:nvPr/>
-        </p:nvPicPr>
-        <p:blipFill>
-          <a:blip r:embed="rId5"/>
-          <a:stretch>
-            <a:fillRect/>
-          </a:stretch>
-        </p:blipFill>
-        <p:spPr>
-          <a:xfrm>
-            <a:off x="7921284" y="2450749"/>
-            <a:ext cx="1342857" cy="1495238"/>
-          </a:xfrm>
-          <a:prstGeom prst="rect">
-            <a:avLst/>
-          </a:prstGeom>
-        </p:spPr>
-      </p:pic>
-      <p:pic>
-        <p:nvPicPr>
-          <p:cNvPr id="6" name="Picture 5">
-            <a:extLst>
-              <a:ext uri="{FF2B5EF4-FFF2-40B4-BE49-F238E27FC236}">
-                <a16:creationId xmlns:a16="http://schemas.microsoft.com/office/drawing/2014/main" id="{4ED81019-4987-A36F-7882-E00F1C0C2667}"/>
-              </a:ext>
-            </a:extLst>
-          </p:cNvPr>
-          <p:cNvPicPr>
-            <a:picLocks noChangeAspect="1"/>
-          </p:cNvPicPr>
-          <p:nvPr/>
-        </p:nvPicPr>
-        <p:blipFill>
-          <a:blip r:embed="rId6"/>
-          <a:stretch>
-            <a:fillRect/>
-          </a:stretch>
-        </p:blipFill>
-        <p:spPr>
-          <a:xfrm>
-            <a:off x="10075126" y="2114749"/>
-            <a:ext cx="1495238" cy="2009524"/>
-          </a:xfrm>
-          <a:prstGeom prst="rect">
-            <a:avLst/>
-          </a:prstGeom>
-        </p:spPr>
-      </p:pic>
+        </p:grpSpPr>
+        <p:sp>
+          <p:nvSpPr>
+            <p:cNvPr id="2" name="Rectangle 1">
+              <a:extLst>
+                <a:ext uri="{FF2B5EF4-FFF2-40B4-BE49-F238E27FC236}">
+                  <a16:creationId xmlns:a16="http://schemas.microsoft.com/office/drawing/2014/main" id="{2953D816-35DF-F990-2AD4-C8F26207FE23}"/>
+                </a:ext>
+              </a:extLst>
+            </p:cNvPr>
+            <p:cNvSpPr/>
+            <p:nvPr/>
+          </p:nvSpPr>
+          <p:spPr>
+            <a:xfrm>
+              <a:off x="0" y="2138289"/>
+              <a:ext cx="12192000" cy="2096086"/>
+            </a:xfrm>
+            <a:prstGeom prst="rect">
+              <a:avLst/>
+            </a:prstGeom>
+            <a:solidFill>
+              <a:schemeClr val="bg1"/>
+            </a:solidFill>
+            <a:ln>
+              <a:noFill/>
+            </a:ln>
+          </p:spPr>
+          <p:style>
+            <a:lnRef idx="2">
+              <a:schemeClr val="accent1">
+                <a:shade val="50000"/>
+              </a:schemeClr>
+            </a:lnRef>
+            <a:fillRef idx="1">
+              <a:schemeClr val="accent1"/>
+            </a:fillRef>
+            <a:effectRef idx="0">
+              <a:schemeClr val="accent1"/>
+            </a:effectRef>
+            <a:fontRef idx="minor">
+              <a:schemeClr val="lt1"/>
+            </a:fontRef>
+          </p:style>
+          <p:txBody>
+            <a:bodyPr rtlCol="0" anchor="ctr"/>
+            <a:lstStyle/>
+            <a:p>
+              <a:pPr algn="ctr"/>
+              <a:endParaRPr lang="en-US"/>
+            </a:p>
+          </p:txBody>
+        </p:sp>
+        <p:pic>
+          <p:nvPicPr>
+            <p:cNvPr id="1026" name="Picture 2">
+              <a:extLst>
+                <a:ext uri="{FF2B5EF4-FFF2-40B4-BE49-F238E27FC236}">
+                  <a16:creationId xmlns:a16="http://schemas.microsoft.com/office/drawing/2014/main" id="{3EA64638-371B-7BB1-9C2F-CE7933A7D667}"/>
+                </a:ext>
+              </a:extLst>
+            </p:cNvPr>
+            <p:cNvPicPr>
+              <a:picLocks noChangeAspect="1" noChangeArrowheads="1"/>
+            </p:cNvPicPr>
+            <p:nvPr/>
+          </p:nvPicPr>
+          <p:blipFill>
+            <a:blip r:embed="rId2">
+              <a:extLst>
+                <a:ext uri="{28A0092B-C50C-407E-A947-70E740481C1C}">
+                  <a14:useLocalDpi xmlns:a14="http://schemas.microsoft.com/office/drawing/2010/main" val="0"/>
+                </a:ext>
+              </a:extLst>
+            </a:blip>
+            <a:srcRect/>
+            <a:stretch>
+              <a:fillRect/>
+            </a:stretch>
+          </p:blipFill>
+          <p:spPr bwMode="auto">
+            <a:xfrm>
+              <a:off x="3229878" y="2545358"/>
+              <a:ext cx="1454124" cy="1400628"/>
+            </a:xfrm>
+            <a:prstGeom prst="rect">
+              <a:avLst/>
+            </a:prstGeom>
+            <a:noFill/>
+            <a:extLst>
+              <a:ext uri="{909E8E84-426E-40DD-AFC4-6F175D3DCCD1}">
+                <a14:hiddenFill xmlns:a14="http://schemas.microsoft.com/office/drawing/2010/main">
+                  <a:solidFill>
+                    <a:srgbClr val="FFFFFF"/>
+                  </a:solidFill>
+                </a14:hiddenFill>
+              </a:ext>
+            </a:extLst>
+          </p:spPr>
+        </p:pic>
+        <p:pic>
+          <p:nvPicPr>
+            <p:cNvPr id="1028" name="Picture 4" descr="University of Calgary - YouTube">
+              <a:extLst>
+                <a:ext uri="{FF2B5EF4-FFF2-40B4-BE49-F238E27FC236}">
+                  <a16:creationId xmlns:a16="http://schemas.microsoft.com/office/drawing/2014/main" id="{88BA6271-3640-8D24-2951-009E26C6FCF3}"/>
+                </a:ext>
+              </a:extLst>
+            </p:cNvPr>
+            <p:cNvPicPr>
+              <a:picLocks noChangeAspect="1" noChangeArrowheads="1"/>
+            </p:cNvPicPr>
+            <p:nvPr/>
+          </p:nvPicPr>
+          <p:blipFill>
+            <a:blip r:embed="rId3">
+              <a:extLst>
+                <a:ext uri="{28A0092B-C50C-407E-A947-70E740481C1C}">
+                  <a14:useLocalDpi xmlns:a14="http://schemas.microsoft.com/office/drawing/2010/main" val="0"/>
+                </a:ext>
+              </a:extLst>
+            </a:blip>
+            <a:srcRect/>
+            <a:stretch>
+              <a:fillRect/>
+            </a:stretch>
+          </p:blipFill>
+          <p:spPr bwMode="auto">
+            <a:xfrm>
+              <a:off x="5444599" y="2384644"/>
+              <a:ext cx="1716088" cy="1716088"/>
+            </a:xfrm>
+            <a:prstGeom prst="rect">
+              <a:avLst/>
+            </a:prstGeom>
+            <a:noFill/>
+            <a:extLst>
+              <a:ext uri="{909E8E84-426E-40DD-AFC4-6F175D3DCCD1}">
+                <a14:hiddenFill xmlns:a14="http://schemas.microsoft.com/office/drawing/2010/main">
+                  <a:solidFill>
+                    <a:srgbClr val="FFFFFF"/>
+                  </a:solidFill>
+                </a14:hiddenFill>
+              </a:ext>
+            </a:extLst>
+          </p:spPr>
+        </p:pic>
+        <p:pic>
+          <p:nvPicPr>
+            <p:cNvPr id="1030" name="Picture 6">
+              <a:extLst>
+                <a:ext uri="{FF2B5EF4-FFF2-40B4-BE49-F238E27FC236}">
+                  <a16:creationId xmlns:a16="http://schemas.microsoft.com/office/drawing/2014/main" id="{F51F5BE4-1781-59CC-6751-19A85302391D}"/>
+                </a:ext>
+              </a:extLst>
+            </p:cNvPr>
+            <p:cNvPicPr>
+              <a:picLocks noChangeAspect="1" noChangeArrowheads="1"/>
+            </p:cNvPicPr>
+            <p:nvPr/>
+          </p:nvPicPr>
+          <p:blipFill>
+            <a:blip r:embed="rId4">
+              <a:extLst>
+                <a:ext uri="{28A0092B-C50C-407E-A947-70E740481C1C}">
+                  <a14:useLocalDpi xmlns:a14="http://schemas.microsoft.com/office/drawing/2010/main" val="0"/>
+                </a:ext>
+              </a:extLst>
+            </a:blip>
+            <a:srcRect/>
+            <a:stretch>
+              <a:fillRect/>
+            </a:stretch>
+          </p:blipFill>
+          <p:spPr bwMode="auto">
+            <a:xfrm>
+              <a:off x="858985" y="2658793"/>
+              <a:ext cx="1260262" cy="1188719"/>
+            </a:xfrm>
+            <a:prstGeom prst="rect">
+              <a:avLst/>
+            </a:prstGeom>
+            <a:noFill/>
+            <a:extLst>
+              <a:ext uri="{909E8E84-426E-40DD-AFC4-6F175D3DCCD1}">
+                <a14:hiddenFill xmlns:a14="http://schemas.microsoft.com/office/drawing/2010/main">
+                  <a:solidFill>
+                    <a:srgbClr val="FFFFFF"/>
+                  </a:solidFill>
+                </a14:hiddenFill>
+              </a:ext>
+            </a:extLst>
+          </p:spPr>
+        </p:pic>
+        <p:pic>
+          <p:nvPicPr>
+            <p:cNvPr id="3" name="Picture 2">
+              <a:extLst>
+                <a:ext uri="{FF2B5EF4-FFF2-40B4-BE49-F238E27FC236}">
+                  <a16:creationId xmlns:a16="http://schemas.microsoft.com/office/drawing/2014/main" id="{91BFF024-B1C3-FDAE-215A-E3F625845D7B}"/>
+                </a:ext>
+              </a:extLst>
+            </p:cNvPr>
+            <p:cNvPicPr>
+              <a:picLocks noChangeAspect="1"/>
+            </p:cNvPicPr>
+            <p:nvPr/>
+          </p:nvPicPr>
+          <p:blipFill>
+            <a:blip r:embed="rId5"/>
+            <a:stretch>
+              <a:fillRect/>
+            </a:stretch>
+          </p:blipFill>
+          <p:spPr>
+            <a:xfrm>
+              <a:off x="7990096" y="2616823"/>
+              <a:ext cx="1124165" cy="1251729"/>
+            </a:xfrm>
+            <a:prstGeom prst="rect">
+              <a:avLst/>
+            </a:prstGeom>
+          </p:spPr>
+        </p:pic>
+        <p:pic>
+          <p:nvPicPr>
+            <p:cNvPr id="6" name="Picture 5">
+              <a:extLst>
+                <a:ext uri="{FF2B5EF4-FFF2-40B4-BE49-F238E27FC236}">
+                  <a16:creationId xmlns:a16="http://schemas.microsoft.com/office/drawing/2014/main" id="{4ED81019-4987-A36F-7882-E00F1C0C2667}"/>
+                </a:ext>
+              </a:extLst>
+            </p:cNvPr>
+            <p:cNvPicPr>
+              <a:picLocks noChangeAspect="1"/>
+            </p:cNvPicPr>
+            <p:nvPr/>
+          </p:nvPicPr>
+          <p:blipFill>
+            <a:blip r:embed="rId6"/>
+            <a:stretch>
+              <a:fillRect/>
+            </a:stretch>
+          </p:blipFill>
+          <p:spPr>
+            <a:xfrm>
+              <a:off x="10128601" y="2487278"/>
+              <a:ext cx="1124165" cy="1510820"/>
+            </a:xfrm>
+            <a:prstGeom prst="rect">
+              <a:avLst/>
+            </a:prstGeom>
+          </p:spPr>
+        </p:pic>
+      </p:grpSp>
     </p:spTree>
     <p:extLst>
       <p:ext uri="{BB962C8B-B14F-4D97-AF65-F5344CB8AC3E}">
